--- a/Lending_Club_Case_Study.pptx
+++ b/Lending_Club_Case_Study.pptx
@@ -113,6 +113,11 @@
       </a:defRPr>
     </a:lvl9pPr>
   </p:defaultTextStyle>
+  <p:extLst>
+    <p:ext uri="{EFAFB233-063F-42B5-8137-9DF3F51BA10A}">
+      <p15:sldGuideLst xmlns:p15="http://schemas.microsoft.com/office/powerpoint/2012/main"/>
+    </p:ext>
+  </p:extLst>
 </p:presentation>
 </file>
 
@@ -121,12 +126,12 @@
   <pc:docChgLst>
     <pc:chgData name="Pavan Kumar Tanikella" userId="c0bfbd5c4a39b5f3" providerId="LiveId" clId="{28C5225B-11C1-4FB5-867A-6C6F86D7C4B9}"/>
     <pc:docChg chg="undo custSel addSld delSld modSld modMainMaster">
-      <pc:chgData name="Pavan Kumar Tanikella" userId="c0bfbd5c4a39b5f3" providerId="LiveId" clId="{28C5225B-11C1-4FB5-867A-6C6F86D7C4B9}" dt="2021-12-08T13:40:02.769" v="1549" actId="108"/>
+      <pc:chgData name="Pavan Kumar Tanikella" userId="c0bfbd5c4a39b5f3" providerId="LiveId" clId="{28C5225B-11C1-4FB5-867A-6C6F86D7C4B9}" dt="2021-12-08T14:16:42.044" v="1552" actId="2"/>
       <pc:docMkLst>
         <pc:docMk/>
       </pc:docMkLst>
       <pc:sldChg chg="delSp modSp mod">
-        <pc:chgData name="Pavan Kumar Tanikella" userId="c0bfbd5c4a39b5f3" providerId="LiveId" clId="{28C5225B-11C1-4FB5-867A-6C6F86D7C4B9}" dt="2021-12-08T12:36:47.701" v="549"/>
+        <pc:chgData name="Pavan Kumar Tanikella" userId="c0bfbd5c4a39b5f3" providerId="LiveId" clId="{28C5225B-11C1-4FB5-867A-6C6F86D7C4B9}" dt="2021-12-08T14:16:42.044" v="1552" actId="2"/>
         <pc:sldMkLst>
           <pc:docMk/>
           <pc:sldMk cId="823059372" sldId="256"/>
@@ -140,7 +145,7 @@
           </ac:spMkLst>
         </pc:spChg>
         <pc:spChg chg="mod">
-          <ac:chgData name="Pavan Kumar Tanikella" userId="c0bfbd5c4a39b5f3" providerId="LiveId" clId="{28C5225B-11C1-4FB5-867A-6C6F86D7C4B9}" dt="2021-12-08T12:23:51.866" v="83"/>
+          <ac:chgData name="Pavan Kumar Tanikella" userId="c0bfbd5c4a39b5f3" providerId="LiveId" clId="{28C5225B-11C1-4FB5-867A-6C6F86D7C4B9}" dt="2021-12-08T14:16:42.044" v="1552" actId="2"/>
           <ac:spMkLst>
             <pc:docMk/>
             <pc:sldMk cId="823059372" sldId="256"/>
@@ -878,7 +883,7 @@
         </pc:sldMkLst>
       </pc:sldChg>
       <pc:sldChg chg="modSp add mod">
-        <pc:chgData name="Pavan Kumar Tanikella" userId="c0bfbd5c4a39b5f3" providerId="LiveId" clId="{28C5225B-11C1-4FB5-867A-6C6F86D7C4B9}" dt="2021-12-08T13:36:01.972" v="1370" actId="20577"/>
+        <pc:chgData name="Pavan Kumar Tanikella" userId="c0bfbd5c4a39b5f3" providerId="LiveId" clId="{28C5225B-11C1-4FB5-867A-6C6F86D7C4B9}" dt="2021-12-08T14:12:12.264" v="1551" actId="1076"/>
         <pc:sldMkLst>
           <pc:docMk/>
           <pc:sldMk cId="1664856212" sldId="271"/>
@@ -916,7 +921,7 @@
           </ac:picMkLst>
         </pc:picChg>
         <pc:picChg chg="mod">
-          <ac:chgData name="Pavan Kumar Tanikella" userId="c0bfbd5c4a39b5f3" providerId="LiveId" clId="{28C5225B-11C1-4FB5-867A-6C6F86D7C4B9}" dt="2021-12-08T13:34:40.684" v="1225" actId="14826"/>
+          <ac:chgData name="Pavan Kumar Tanikella" userId="c0bfbd5c4a39b5f3" providerId="LiveId" clId="{28C5225B-11C1-4FB5-867A-6C6F86D7C4B9}" dt="2021-12-08T14:12:12.264" v="1551" actId="1076"/>
           <ac:picMkLst>
             <pc:docMk/>
             <pc:sldMk cId="1664856212" sldId="271"/>
@@ -925,7 +930,7 @@
         </pc:picChg>
       </pc:sldChg>
       <pc:sldChg chg="addSp modSp new mod">
-        <pc:chgData name="Pavan Kumar Tanikella" userId="c0bfbd5c4a39b5f3" providerId="LiveId" clId="{28C5225B-11C1-4FB5-867A-6C6F86D7C4B9}" dt="2021-12-08T13:38:26.739" v="1515" actId="1076"/>
+        <pc:chgData name="Pavan Kumar Tanikella" userId="c0bfbd5c4a39b5f3" providerId="LiveId" clId="{28C5225B-11C1-4FB5-867A-6C6F86D7C4B9}" dt="2021-12-08T14:10:40.681" v="1550" actId="313"/>
         <pc:sldMkLst>
           <pc:docMk/>
           <pc:sldMk cId="3335757000" sldId="272"/>
@@ -939,7 +944,7 @@
           </ac:spMkLst>
         </pc:spChg>
         <pc:spChg chg="mod">
-          <ac:chgData name="Pavan Kumar Tanikella" userId="c0bfbd5c4a39b5f3" providerId="LiveId" clId="{28C5225B-11C1-4FB5-867A-6C6F86D7C4B9}" dt="2021-12-08T13:37:34.707" v="1505" actId="20577"/>
+          <ac:chgData name="Pavan Kumar Tanikella" userId="c0bfbd5c4a39b5f3" providerId="LiveId" clId="{28C5225B-11C1-4FB5-867A-6C6F86D7C4B9}" dt="2021-12-08T14:10:40.681" v="1550" actId="313"/>
           <ac:spMkLst>
             <pc:docMk/>
             <pc:sldMk cId="3335757000" sldId="272"/>
@@ -2392,7 +2397,7 @@
               <a:rPr lang="en-IN" smtClean="0"/>
               <a:t>08-12-2021</a:t>
             </a:fld>
-            <a:endParaRPr lang="en-IN"/>
+            <a:endParaRPr lang="en-IN" dirty="0"/>
           </a:p>
         </p:txBody>
       </p:sp>
@@ -2411,7 +2416,7 @@
           <a:bodyPr/>
           <a:lstStyle/>
           <a:p>
-            <a:endParaRPr lang="en-IN"/>
+            <a:endParaRPr lang="en-IN" dirty="0"/>
           </a:p>
         </p:txBody>
       </p:sp>
@@ -2434,7 +2439,7 @@
               <a:rPr lang="en-IN" smtClean="0"/>
               <a:t>‹#›</a:t>
             </a:fld>
-            <a:endParaRPr lang="en-IN"/>
+            <a:endParaRPr lang="en-IN" dirty="0"/>
           </a:p>
         </p:txBody>
       </p:sp>
@@ -2643,7 +2648,7 @@
               <a:rPr lang="en-IN" smtClean="0"/>
               <a:t>08-12-2021</a:t>
             </a:fld>
-            <a:endParaRPr lang="en-IN"/>
+            <a:endParaRPr lang="en-IN" dirty="0"/>
           </a:p>
         </p:txBody>
       </p:sp>
@@ -2662,7 +2667,7 @@
           <a:bodyPr/>
           <a:lstStyle/>
           <a:p>
-            <a:endParaRPr lang="en-IN"/>
+            <a:endParaRPr lang="en-IN" dirty="0"/>
           </a:p>
         </p:txBody>
       </p:sp>
@@ -2685,7 +2690,7 @@
               <a:rPr lang="en-IN" smtClean="0"/>
               <a:t>‹#›</a:t>
             </a:fld>
-            <a:endParaRPr lang="en-IN"/>
+            <a:endParaRPr lang="en-IN" dirty="0"/>
           </a:p>
         </p:txBody>
       </p:sp>
@@ -2957,7 +2962,7 @@
               <a:rPr lang="en-IN" smtClean="0"/>
               <a:t>08-12-2021</a:t>
             </a:fld>
-            <a:endParaRPr lang="en-IN"/>
+            <a:endParaRPr lang="en-IN" dirty="0"/>
           </a:p>
         </p:txBody>
       </p:sp>
@@ -2976,7 +2981,7 @@
           <a:bodyPr/>
           <a:lstStyle/>
           <a:p>
-            <a:endParaRPr lang="en-IN"/>
+            <a:endParaRPr lang="en-IN" dirty="0"/>
           </a:p>
         </p:txBody>
       </p:sp>
@@ -2999,7 +3004,7 @@
               <a:rPr lang="en-IN" smtClean="0"/>
               <a:t>‹#›</a:t>
             </a:fld>
-            <a:endParaRPr lang="en-IN"/>
+            <a:endParaRPr lang="en-IN" dirty="0"/>
           </a:p>
         </p:txBody>
       </p:sp>
@@ -3290,7 +3295,7 @@
               <a:rPr lang="en-IN" smtClean="0"/>
               <a:t>08-12-2021</a:t>
             </a:fld>
-            <a:endParaRPr lang="en-IN"/>
+            <a:endParaRPr lang="en-IN" dirty="0"/>
           </a:p>
         </p:txBody>
       </p:sp>
@@ -3309,7 +3314,7 @@
           <a:bodyPr/>
           <a:lstStyle/>
           <a:p>
-            <a:endParaRPr lang="en-IN"/>
+            <a:endParaRPr lang="en-IN" dirty="0"/>
           </a:p>
         </p:txBody>
       </p:sp>
@@ -3332,7 +3337,7 @@
               <a:rPr lang="en-IN" smtClean="0"/>
               <a:t>‹#›</a:t>
             </a:fld>
-            <a:endParaRPr lang="en-IN"/>
+            <a:endParaRPr lang="en-IN" dirty="0"/>
           </a:p>
         </p:txBody>
       </p:sp>
@@ -3604,7 +3609,7 @@
               <a:rPr lang="en-IN" smtClean="0"/>
               <a:t>08-12-2021</a:t>
             </a:fld>
-            <a:endParaRPr lang="en-IN"/>
+            <a:endParaRPr lang="en-IN" dirty="0"/>
           </a:p>
         </p:txBody>
       </p:sp>
@@ -3623,7 +3628,7 @@
           <a:bodyPr/>
           <a:lstStyle/>
           <a:p>
-            <a:endParaRPr lang="en-IN"/>
+            <a:endParaRPr lang="en-IN" dirty="0"/>
           </a:p>
         </p:txBody>
       </p:sp>
@@ -3646,7 +3651,7 @@
               <a:rPr lang="en-IN" smtClean="0"/>
               <a:t>‹#›</a:t>
             </a:fld>
-            <a:endParaRPr lang="en-IN"/>
+            <a:endParaRPr lang="en-IN" dirty="0"/>
           </a:p>
         </p:txBody>
       </p:sp>
@@ -3997,7 +4002,7 @@
               <a:rPr lang="en-IN" smtClean="0"/>
               <a:t>08-12-2021</a:t>
             </a:fld>
-            <a:endParaRPr lang="en-IN"/>
+            <a:endParaRPr lang="en-IN" dirty="0"/>
           </a:p>
         </p:txBody>
       </p:sp>
@@ -4016,7 +4021,7 @@
           <a:bodyPr/>
           <a:lstStyle/>
           <a:p>
-            <a:endParaRPr lang="en-IN"/>
+            <a:endParaRPr lang="en-IN" dirty="0"/>
           </a:p>
         </p:txBody>
       </p:sp>
@@ -4039,7 +4044,7 @@
               <a:rPr lang="en-IN" smtClean="0"/>
               <a:t>‹#›</a:t>
             </a:fld>
-            <a:endParaRPr lang="en-IN"/>
+            <a:endParaRPr lang="en-IN" dirty="0"/>
           </a:p>
         </p:txBody>
       </p:sp>
@@ -4167,7 +4172,7 @@
               <a:rPr lang="en-IN" smtClean="0"/>
               <a:t>08-12-2021</a:t>
             </a:fld>
-            <a:endParaRPr lang="en-IN"/>
+            <a:endParaRPr lang="en-IN" dirty="0"/>
           </a:p>
         </p:txBody>
       </p:sp>
@@ -4186,7 +4191,7 @@
           <a:bodyPr/>
           <a:lstStyle/>
           <a:p>
-            <a:endParaRPr lang="en-IN"/>
+            <a:endParaRPr lang="en-IN" dirty="0"/>
           </a:p>
         </p:txBody>
       </p:sp>
@@ -4209,7 +4214,7 @@
               <a:rPr lang="en-IN" smtClean="0"/>
               <a:t>‹#›</a:t>
             </a:fld>
-            <a:endParaRPr lang="en-IN"/>
+            <a:endParaRPr lang="en-IN" dirty="0"/>
           </a:p>
         </p:txBody>
       </p:sp>
@@ -4347,7 +4352,7 @@
               <a:rPr lang="en-IN" smtClean="0"/>
               <a:t>08-12-2021</a:t>
             </a:fld>
-            <a:endParaRPr lang="en-IN"/>
+            <a:endParaRPr lang="en-IN" dirty="0"/>
           </a:p>
         </p:txBody>
       </p:sp>
@@ -4366,7 +4371,7 @@
           <a:bodyPr/>
           <a:lstStyle/>
           <a:p>
-            <a:endParaRPr lang="en-IN"/>
+            <a:endParaRPr lang="en-IN" dirty="0"/>
           </a:p>
         </p:txBody>
       </p:sp>
@@ -4389,7 +4394,7 @@
               <a:rPr lang="en-IN" smtClean="0"/>
               <a:t>‹#›</a:t>
             </a:fld>
-            <a:endParaRPr lang="en-IN"/>
+            <a:endParaRPr lang="en-IN" dirty="0"/>
           </a:p>
         </p:txBody>
       </p:sp>
@@ -4517,7 +4522,7 @@
               <a:rPr lang="en-IN" smtClean="0"/>
               <a:t>08-12-2021</a:t>
             </a:fld>
-            <a:endParaRPr lang="en-IN"/>
+            <a:endParaRPr lang="en-IN" dirty="0"/>
           </a:p>
         </p:txBody>
       </p:sp>
@@ -4536,7 +4541,7 @@
           <a:bodyPr/>
           <a:lstStyle/>
           <a:p>
-            <a:endParaRPr lang="en-IN"/>
+            <a:endParaRPr lang="en-IN" dirty="0"/>
           </a:p>
         </p:txBody>
       </p:sp>
@@ -4559,7 +4564,7 @@
               <a:rPr lang="en-IN" smtClean="0"/>
               <a:t>‹#›</a:t>
             </a:fld>
-            <a:endParaRPr lang="en-IN"/>
+            <a:endParaRPr lang="en-IN" dirty="0"/>
           </a:p>
         </p:txBody>
       </p:sp>
@@ -4764,7 +4769,7 @@
               <a:rPr lang="en-IN" smtClean="0"/>
               <a:t>08-12-2021</a:t>
             </a:fld>
-            <a:endParaRPr lang="en-IN"/>
+            <a:endParaRPr lang="en-IN" dirty="0"/>
           </a:p>
         </p:txBody>
       </p:sp>
@@ -4783,7 +4788,7 @@
           <a:bodyPr/>
           <a:lstStyle/>
           <a:p>
-            <a:endParaRPr lang="en-IN"/>
+            <a:endParaRPr lang="en-IN" dirty="0"/>
           </a:p>
         </p:txBody>
       </p:sp>
@@ -4806,7 +4811,7 @@
               <a:rPr lang="en-IN" smtClean="0"/>
               <a:t>‹#›</a:t>
             </a:fld>
-            <a:endParaRPr lang="en-IN"/>
+            <a:endParaRPr lang="en-IN" dirty="0"/>
           </a:p>
         </p:txBody>
       </p:sp>
@@ -4996,7 +5001,7 @@
               <a:rPr lang="en-IN" smtClean="0"/>
               <a:t>08-12-2021</a:t>
             </a:fld>
-            <a:endParaRPr lang="en-IN"/>
+            <a:endParaRPr lang="en-IN" dirty="0"/>
           </a:p>
         </p:txBody>
       </p:sp>
@@ -5015,7 +5020,7 @@
           <a:bodyPr/>
           <a:lstStyle/>
           <a:p>
-            <a:endParaRPr lang="en-IN"/>
+            <a:endParaRPr lang="en-IN" dirty="0"/>
           </a:p>
         </p:txBody>
       </p:sp>
@@ -5038,7 +5043,7 @@
               <a:rPr lang="en-IN" smtClean="0"/>
               <a:t>‹#›</a:t>
             </a:fld>
-            <a:endParaRPr lang="en-IN"/>
+            <a:endParaRPr lang="en-IN" dirty="0"/>
           </a:p>
         </p:txBody>
       </p:sp>
@@ -5370,7 +5375,7 @@
               <a:rPr lang="en-IN" smtClean="0"/>
               <a:t>08-12-2021</a:t>
             </a:fld>
-            <a:endParaRPr lang="en-IN"/>
+            <a:endParaRPr lang="en-IN" dirty="0"/>
           </a:p>
         </p:txBody>
       </p:sp>
@@ -5389,7 +5394,7 @@
           <a:bodyPr/>
           <a:lstStyle/>
           <a:p>
-            <a:endParaRPr lang="en-IN"/>
+            <a:endParaRPr lang="en-IN" dirty="0"/>
           </a:p>
         </p:txBody>
       </p:sp>
@@ -5412,7 +5417,7 @@
               <a:rPr lang="en-IN" smtClean="0"/>
               <a:t>‹#›</a:t>
             </a:fld>
-            <a:endParaRPr lang="en-IN"/>
+            <a:endParaRPr lang="en-IN" dirty="0"/>
           </a:p>
         </p:txBody>
       </p:sp>
@@ -5493,7 +5498,7 @@
               <a:rPr lang="en-IN" smtClean="0"/>
               <a:t>08-12-2021</a:t>
             </a:fld>
-            <a:endParaRPr lang="en-IN"/>
+            <a:endParaRPr lang="en-IN" dirty="0"/>
           </a:p>
         </p:txBody>
       </p:sp>
@@ -5512,7 +5517,7 @@
           <a:bodyPr/>
           <a:lstStyle/>
           <a:p>
-            <a:endParaRPr lang="en-IN"/>
+            <a:endParaRPr lang="en-IN" dirty="0"/>
           </a:p>
         </p:txBody>
       </p:sp>
@@ -5535,7 +5540,7 @@
               <a:rPr lang="en-IN" smtClean="0"/>
               <a:t>‹#›</a:t>
             </a:fld>
-            <a:endParaRPr lang="en-IN"/>
+            <a:endParaRPr lang="en-IN" dirty="0"/>
           </a:p>
         </p:txBody>
       </p:sp>
@@ -5588,7 +5593,7 @@
               <a:rPr lang="en-IN" smtClean="0"/>
               <a:t>08-12-2021</a:t>
             </a:fld>
-            <a:endParaRPr lang="en-IN"/>
+            <a:endParaRPr lang="en-IN" dirty="0"/>
           </a:p>
         </p:txBody>
       </p:sp>
@@ -5607,7 +5612,7 @@
           <a:bodyPr/>
           <a:lstStyle/>
           <a:p>
-            <a:endParaRPr lang="en-IN"/>
+            <a:endParaRPr lang="en-IN" dirty="0"/>
           </a:p>
         </p:txBody>
       </p:sp>
@@ -5630,7 +5635,7 @@
               <a:rPr lang="en-IN" smtClean="0"/>
               <a:t>‹#›</a:t>
             </a:fld>
-            <a:endParaRPr lang="en-IN"/>
+            <a:endParaRPr lang="en-IN" dirty="0"/>
           </a:p>
         </p:txBody>
       </p:sp>
@@ -5843,7 +5848,7 @@
               <a:rPr lang="en-IN" smtClean="0"/>
               <a:t>08-12-2021</a:t>
             </a:fld>
-            <a:endParaRPr lang="en-IN"/>
+            <a:endParaRPr lang="en-IN" dirty="0"/>
           </a:p>
         </p:txBody>
       </p:sp>
@@ -5862,7 +5867,7 @@
           <a:bodyPr/>
           <a:lstStyle/>
           <a:p>
-            <a:endParaRPr lang="en-IN"/>
+            <a:endParaRPr lang="en-IN" dirty="0"/>
           </a:p>
         </p:txBody>
       </p:sp>
@@ -5885,7 +5890,7 @@
               <a:rPr lang="en-IN" smtClean="0"/>
               <a:t>‹#›</a:t>
             </a:fld>
-            <a:endParaRPr lang="en-IN"/>
+            <a:endParaRPr lang="en-IN" dirty="0"/>
           </a:p>
         </p:txBody>
       </p:sp>
@@ -6013,10 +6018,9 @@
           </a:lstStyle>
           <a:p>
             <a:r>
-              <a:rPr lang="en-US"/>
+              <a:rPr lang="en-US" dirty="0"/>
               <a:t>Click icon to add picture</a:t>
             </a:r>
-            <a:endParaRPr lang="en-US" dirty="0"/>
           </a:p>
         </p:txBody>
       </p:sp>
@@ -6102,7 +6106,7 @@
           <a:bodyPr/>
           <a:lstStyle/>
           <a:p>
-            <a:endParaRPr lang="en-IN"/>
+            <a:endParaRPr lang="en-IN" dirty="0"/>
           </a:p>
         </p:txBody>
       </p:sp>
@@ -6125,7 +6129,7 @@
               <a:rPr lang="en-IN" smtClean="0"/>
               <a:t>‹#›</a:t>
             </a:fld>
-            <a:endParaRPr lang="en-IN"/>
+            <a:endParaRPr lang="en-IN" dirty="0"/>
           </a:p>
         </p:txBody>
       </p:sp>
@@ -6148,7 +6152,7 @@
               <a:rPr lang="en-IN" smtClean="0"/>
               <a:t>08-12-2021</a:t>
             </a:fld>
-            <a:endParaRPr lang="en-IN"/>
+            <a:endParaRPr lang="en-IN" dirty="0"/>
           </a:p>
         </p:txBody>
       </p:sp>
@@ -6850,7 +6854,7 @@
               <a:rPr lang="en-IN" smtClean="0"/>
               <a:t>08-12-2021</a:t>
             </a:fld>
-            <a:endParaRPr lang="en-IN"/>
+            <a:endParaRPr lang="en-IN" dirty="0"/>
           </a:p>
         </p:txBody>
       </p:sp>
@@ -6887,7 +6891,7 @@
             </a:lvl1pPr>
           </a:lstStyle>
           <a:p>
-            <a:endParaRPr lang="en-IN"/>
+            <a:endParaRPr lang="en-IN" dirty="0"/>
           </a:p>
         </p:txBody>
       </p:sp>
@@ -6926,7 +6930,7 @@
               <a:rPr lang="en-IN" smtClean="0"/>
               <a:t>‹#›</a:t>
             </a:fld>
-            <a:endParaRPr lang="en-IN"/>
+            <a:endParaRPr lang="en-IN" dirty="0"/>
           </a:p>
         </p:txBody>
       </p:sp>
@@ -7435,15 +7439,7 @@
             <a:pPr algn="l"/>
             <a:r>
               <a:rPr lang="en-IN" sz="1051" dirty="0"/>
-              <a:t>Tanikella V S </a:t>
-            </a:r>
-            <a:r>
-              <a:rPr lang="en-IN" sz="1051" dirty="0" err="1"/>
-              <a:t>S</a:t>
-            </a:r>
-            <a:r>
-              <a:rPr lang="en-IN" sz="1051" dirty="0"/>
-              <a:t> Pavan Kumar</a:t>
+              <a:t>Tanikella V S S Pavan Kumar</a:t>
             </a:r>
           </a:p>
           <a:p>
@@ -7540,12 +7536,8 @@
           <a:lstStyle/>
           <a:p>
             <a:r>
-              <a:rPr lang="en-IN" dirty="0" err="1"/>
-              <a:t>Neveda</a:t>
-            </a:r>
-            <a:r>
               <a:rPr lang="en-IN" dirty="0"/>
-              <a:t> in particular, seems to have a very high default rate, this need localised deep drive to understand the local trends</a:t>
+              <a:t>Nevada in particular, seems to have a very high default rate, this need localised deep drive to understand the local trends</a:t>
             </a:r>
           </a:p>
         </p:txBody>
@@ -7645,7 +7637,7 @@
           <a:lstStyle/>
           <a:p>
             <a:pPr algn="ctr"/>
-            <a:endParaRPr lang="en-IN"/>
+            <a:endParaRPr lang="en-IN" dirty="0"/>
           </a:p>
         </p:txBody>
       </p:sp>
@@ -9203,7 +9195,7 @@
         </p:blipFill>
         <p:spPr bwMode="auto">
           <a:xfrm>
-            <a:off x="7312555" y="1543050"/>
+            <a:off x="7304145" y="1653807"/>
             <a:ext cx="3124200" cy="2590800"/>
           </a:xfrm>
           <a:prstGeom prst="rect">
